--- a/poster.pptx
+++ b/poster.pptx
@@ -243,7 +243,7 @@
           <a:p>
             <a:fld id="{1CB5C63F-9167-5543-AB60-A85932F1D668}" type="datetimeFigureOut">
               <a:rPr lang="en-US" smtClean="0"/>
-              <a:t>4/12/22</a:t>
+              <a:t>4/13/22</a:t>
             </a:fld>
             <a:endParaRPr lang="en-US"/>
           </a:p>
@@ -408,7 +408,7 @@
           <a:p>
             <a:fld id="{1CB5C63F-9167-5543-AB60-A85932F1D668}" type="datetimeFigureOut">
               <a:rPr lang="en-US" smtClean="0"/>
-              <a:t>4/12/22</a:t>
+              <a:t>4/13/22</a:t>
             </a:fld>
             <a:endParaRPr lang="en-US"/>
           </a:p>
@@ -583,7 +583,7 @@
           <a:p>
             <a:fld id="{1CB5C63F-9167-5543-AB60-A85932F1D668}" type="datetimeFigureOut">
               <a:rPr lang="en-US" smtClean="0"/>
-              <a:t>4/12/22</a:t>
+              <a:t>4/13/22</a:t>
             </a:fld>
             <a:endParaRPr lang="en-US"/>
           </a:p>
@@ -748,7 +748,7 @@
           <a:p>
             <a:fld id="{1CB5C63F-9167-5543-AB60-A85932F1D668}" type="datetimeFigureOut">
               <a:rPr lang="en-US" smtClean="0"/>
-              <a:t>4/12/22</a:t>
+              <a:t>4/13/22</a:t>
             </a:fld>
             <a:endParaRPr lang="en-US"/>
           </a:p>
@@ -987,7 +987,7 @@
           <a:p>
             <a:fld id="{1CB5C63F-9167-5543-AB60-A85932F1D668}" type="datetimeFigureOut">
               <a:rPr lang="en-US" smtClean="0"/>
-              <a:t>4/12/22</a:t>
+              <a:t>4/13/22</a:t>
             </a:fld>
             <a:endParaRPr lang="en-US"/>
           </a:p>
@@ -1214,7 +1214,7 @@
           <a:p>
             <a:fld id="{1CB5C63F-9167-5543-AB60-A85932F1D668}" type="datetimeFigureOut">
               <a:rPr lang="en-US" smtClean="0"/>
-              <a:t>4/12/22</a:t>
+              <a:t>4/13/22</a:t>
             </a:fld>
             <a:endParaRPr lang="en-US"/>
           </a:p>
@@ -1576,7 +1576,7 @@
           <a:p>
             <a:fld id="{1CB5C63F-9167-5543-AB60-A85932F1D668}" type="datetimeFigureOut">
               <a:rPr lang="en-US" smtClean="0"/>
-              <a:t>4/12/22</a:t>
+              <a:t>4/13/22</a:t>
             </a:fld>
             <a:endParaRPr lang="en-US"/>
           </a:p>
@@ -1689,7 +1689,7 @@
           <a:p>
             <a:fld id="{1CB5C63F-9167-5543-AB60-A85932F1D668}" type="datetimeFigureOut">
               <a:rPr lang="en-US" smtClean="0"/>
-              <a:t>4/12/22</a:t>
+              <a:t>4/13/22</a:t>
             </a:fld>
             <a:endParaRPr lang="en-US"/>
           </a:p>
@@ -1779,7 +1779,7 @@
           <a:p>
             <a:fld id="{1CB5C63F-9167-5543-AB60-A85932F1D668}" type="datetimeFigureOut">
               <a:rPr lang="en-US" smtClean="0"/>
-              <a:t>4/12/22</a:t>
+              <a:t>4/13/22</a:t>
             </a:fld>
             <a:endParaRPr lang="en-US"/>
           </a:p>
@@ -2051,7 +2051,7 @@
           <a:p>
             <a:fld id="{1CB5C63F-9167-5543-AB60-A85932F1D668}" type="datetimeFigureOut">
               <a:rPr lang="en-US" smtClean="0"/>
-              <a:t>4/12/22</a:t>
+              <a:t>4/13/22</a:t>
             </a:fld>
             <a:endParaRPr lang="en-US"/>
           </a:p>
@@ -2303,7 +2303,7 @@
           <a:p>
             <a:fld id="{1CB5C63F-9167-5543-AB60-A85932F1D668}" type="datetimeFigureOut">
               <a:rPr lang="en-US" smtClean="0"/>
-              <a:t>4/12/22</a:t>
+              <a:t>4/13/22</a:t>
             </a:fld>
             <a:endParaRPr lang="en-US"/>
           </a:p>
@@ -2511,7 +2511,7 @@
           <a:p>
             <a:fld id="{1CB5C63F-9167-5543-AB60-A85932F1D668}" type="datetimeFigureOut">
               <a:rPr lang="en-US" smtClean="0"/>
-              <a:t>4/12/22</a:t>
+              <a:t>4/13/22</a:t>
             </a:fld>
             <a:endParaRPr lang="en-US"/>
           </a:p>
@@ -3170,7 +3170,7 @@
                 <a:latin typeface="Arial" panose="020B0604020202020204" pitchFamily="34" charset="0"/>
                 <a:cs typeface="Arial" panose="020B0604020202020204" pitchFamily="34" charset="0"/>
               </a:rPr>
-              <a:t>There are two overarching types of recommender systems: collaborative filtering, content-based, and hybrid methods.</a:t>
+              <a:t>There are three overarching types of recommender systems: collaborative filtering, content-based, and hybrid methods.</a:t>
             </a:r>
           </a:p>
           <a:p>
@@ -3200,7 +3200,7 @@
             </a:r>
           </a:p>
           <a:p>
-            <a:pPr marL="457200" indent="-457200">
+            <a:pPr marL="1949501" lvl="1" indent="-457200">
               <a:buFont typeface="Arial" panose="020B0604020202020204" pitchFamily="34" charset="0"/>
               <a:buChar char="•"/>
             </a:pPr>
@@ -3222,7 +3222,7 @@
                 <a:latin typeface="Arial" panose="020B0604020202020204" pitchFamily="34" charset="0"/>
                 <a:cs typeface="Arial" panose="020B0604020202020204" pitchFamily="34" charset="0"/>
               </a:rPr>
-              <a:t>We developed and evaluated the 10 recommender systems specified in our Thesis.</a:t>
+              <a:t>We developed and evaluated 10 recommender systems.</a:t>
             </a:r>
           </a:p>
         </p:txBody>
@@ -3281,7 +3281,7 @@
         </p:nvSpPr>
         <p:spPr>
           <a:xfrm>
-            <a:off x="23679150" y="20794754"/>
+            <a:off x="24240744" y="20794754"/>
             <a:ext cx="15819120" cy="6844181"/>
           </a:xfrm>
           <a:prstGeom prst="rect">
@@ -3323,7 +3323,7 @@
                 <a:latin typeface="Arial" panose="020B0604020202020204" pitchFamily="34" charset="0"/>
                 <a:cs typeface="Arial" panose="020B0604020202020204" pitchFamily="34" charset="0"/>
               </a:rPr>
-              <a:t>[1] Robin Burke. 2002. Hybrid Recommender Systems: Survey and Experiments</a:t>
+              <a:t>[1] Robin Burke. 2002. Hybrid Recommender Systems: Survey and Experiments.</a:t>
             </a:r>
           </a:p>
           <a:p>
@@ -3532,7 +3532,7 @@
             <p:spPr>
               <a:xfrm>
                 <a:off x="3829048" y="16600657"/>
-                <a:ext cx="15819120" cy="11038278"/>
+                <a:ext cx="15819120" cy="11530721"/>
               </a:xfrm>
               <a:prstGeom prst="rect">
                 <a:avLst/>
@@ -3575,7 +3575,7 @@
                     <a:latin typeface="Arial" panose="020B0604020202020204" pitchFamily="34" charset="0"/>
                     <a:cs typeface="Arial" panose="020B0604020202020204" pitchFamily="34" charset="0"/>
                   </a:rPr>
-                  <a:t>Prediction models to be evaluated: </a:t>
+                  <a:t>Recommender systems to be evaluated: </a:t>
                 </a:r>
               </a:p>
               <a:p>
@@ -3591,7 +3591,7 @@
                     <a:latin typeface="Arial" panose="020B0604020202020204" pitchFamily="34" charset="0"/>
                     <a:cs typeface="Arial" panose="020B0604020202020204" pitchFamily="34" charset="0"/>
                   </a:rPr>
-                  <a:t>(4) Neighborhood-based user- and item-based collaborative filtering (CF) using Euclidean and Pearson distance for neighborhood determination [4,5]</a:t>
+                  <a:t>(4) Neighborhood-based user- and item-based collaborative filtering (CF) using Euclidean and Pearson distance for neighborhood determination [4,5].</a:t>
                 </a:r>
               </a:p>
               <a:p>
@@ -4858,7 +4858,7 @@
                     <a:latin typeface="Arial" panose="020B0604020202020204" pitchFamily="34" charset="0"/>
                     <a:cs typeface="Arial" panose="020B0604020202020204" pitchFamily="34" charset="0"/>
                   </a:rPr>
-                  <a:t>Explore different values of similarity threshold and similarity significance weighting</a:t>
+                  <a:t>Explore different values of similarity threshold and similarity significance weighting.</a:t>
                 </a:r>
               </a:p>
               <a:p>
@@ -4874,7 +4874,7 @@
                     <a:latin typeface="Arial" panose="020B0604020202020204" pitchFamily="34" charset="0"/>
                     <a:cs typeface="Arial" panose="020B0604020202020204" pitchFamily="34" charset="0"/>
                   </a:rPr>
-                  <a:t>(2) Matrix factorization CF using stochastic gradient descent and alternating least squares [6]</a:t>
+                  <a:t>(2) Matrix factorization CF using stochastic gradient descent and alternating least squares [6].</a:t>
                 </a:r>
               </a:p>
               <a:p>
@@ -4890,7 +4890,7 @@
                     <a:latin typeface="Arial" panose="020B0604020202020204" pitchFamily="34" charset="0"/>
                     <a:cs typeface="Arial" panose="020B0604020202020204" pitchFamily="34" charset="0"/>
                   </a:rPr>
-                  <a:t>Explore different values of regularization, number of factors, and learning rate (for gradient descent)</a:t>
+                  <a:t>Explore different values of regularization, number of factors, and learning rate (for gradient descent).</a:t>
                 </a:r>
               </a:p>
               <a:p>
@@ -4906,7 +4906,7 @@
                     <a:latin typeface="Arial" panose="020B0604020202020204" pitchFamily="34" charset="0"/>
                     <a:cs typeface="Arial" panose="020B0604020202020204" pitchFamily="34" charset="0"/>
                   </a:rPr>
-                  <a:t>(1) Neural collaborative filtering (NCF) [3] </a:t>
+                  <a:t>(1) Neural collaborative filtering (NCF) [3]. </a:t>
                 </a:r>
               </a:p>
               <a:p>
@@ -4922,7 +4922,7 @@
                     <a:latin typeface="Arial" panose="020B0604020202020204" pitchFamily="34" charset="0"/>
                     <a:cs typeface="Arial" panose="020B0604020202020204" pitchFamily="34" charset="0"/>
                   </a:rPr>
-                  <a:t>(1) Term frequency-inverse document frequency content filtering (TFIDF-CB)</a:t>
+                  <a:t>(1) Term frequency-inverse document frequency content filtering (TFIDF-CB).</a:t>
                 </a:r>
               </a:p>
               <a:p>
@@ -4938,7 +4938,7 @@
                     <a:latin typeface="Arial" panose="020B0604020202020204" pitchFamily="34" charset="0"/>
                     <a:cs typeface="Arial" panose="020B0604020202020204" pitchFamily="34" charset="0"/>
                   </a:rPr>
-                  <a:t>(2) Hybrid model using a) item-based CF with each of Euclidean and Pearson and b) TFIDF-CB</a:t>
+                  <a:t>(2) Hybrid model using a) item-based CF with each of Euclidean and Pearson and b) TFIDF-CB.</a:t>
                 </a:r>
               </a:p>
               <a:p>
@@ -4954,7 +4954,7 @@
                     <a:latin typeface="Arial" panose="020B0604020202020204" pitchFamily="34" charset="0"/>
                     <a:cs typeface="Arial" panose="020B0604020202020204" pitchFamily="34" charset="0"/>
                   </a:rPr>
-                  <a:t>We hypothesize that the hybrid models will outperform all individual recommender algorithms based on [1].</a:t>
+                  <a:t>We hypothesize that the hybrid models will outperform all individual recommender systems based on [1].</a:t>
                 </a:r>
               </a:p>
             </p:txBody>
@@ -4978,7 +4978,7 @@
             <p:spPr>
               <a:xfrm>
                 <a:off x="3829048" y="16600657"/>
-                <a:ext cx="15819120" cy="11038278"/>
+                <a:ext cx="15819120" cy="11530721"/>
               </a:xfrm>
               <a:prstGeom prst="rect">
                 <a:avLst/>
@@ -4986,7 +4986,7 @@
               <a:blipFill>
                 <a:blip r:embed="rId3"/>
                 <a:stretch>
-                  <a:fillRect l="-2326" t="-1724" r="-962" b="-5172"/>
+                  <a:fillRect l="-2326" t="-1650" r="-962" b="-660"/>
                 </a:stretch>
               </a:blipFill>
             </p:spPr>
